--- a/test/contract_map.pptx
+++ b/test/contract_map.pptx
@@ -105,6 +105,11 @@
       </a:defRPr>
     </a:lvl9pPr>
   </p:defaultTextStyle>
+  <p:extLst>
+    <p:ext uri="{EFAFB233-063F-42B5-8137-9DF3F51BA10A}">
+      <p15:sldGuideLst xmlns:p15="http://schemas.microsoft.com/office/powerpoint/2012/main"/>
+    </p:ext>
+  </p:extLst>
 </p:presentation>
 </file>
 
@@ -239,7 +244,7 @@
           <a:p>
             <a:fld id="{A8E0094F-F4DA-4A3B-B8F6-999563D6DF4F}" type="datetimeFigureOut">
               <a:rPr kumimoji="1" lang="ja-JP" altLang="en-US" smtClean="0"/>
-              <a:t>2022/5/25</a:t>
+              <a:t>2022/5/26</a:t>
             </a:fld>
             <a:endParaRPr kumimoji="1" lang="ja-JP" altLang="en-US"/>
           </a:p>
@@ -441,7 +446,7 @@
           <a:p>
             <a:fld id="{A8E0094F-F4DA-4A3B-B8F6-999563D6DF4F}" type="datetimeFigureOut">
               <a:rPr kumimoji="1" lang="ja-JP" altLang="en-US" smtClean="0"/>
-              <a:t>2022/5/25</a:t>
+              <a:t>2022/5/26</a:t>
             </a:fld>
             <a:endParaRPr kumimoji="1" lang="ja-JP" altLang="en-US"/>
           </a:p>
@@ -653,7 +658,7 @@
           <a:p>
             <a:fld id="{A8E0094F-F4DA-4A3B-B8F6-999563D6DF4F}" type="datetimeFigureOut">
               <a:rPr kumimoji="1" lang="ja-JP" altLang="en-US" smtClean="0"/>
-              <a:t>2022/5/25</a:t>
+              <a:t>2022/5/26</a:t>
             </a:fld>
             <a:endParaRPr kumimoji="1" lang="ja-JP" altLang="en-US"/>
           </a:p>
@@ -855,7 +860,7 @@
           <a:p>
             <a:fld id="{A8E0094F-F4DA-4A3B-B8F6-999563D6DF4F}" type="datetimeFigureOut">
               <a:rPr kumimoji="1" lang="ja-JP" altLang="en-US" smtClean="0"/>
-              <a:t>2022/5/25</a:t>
+              <a:t>2022/5/26</a:t>
             </a:fld>
             <a:endParaRPr kumimoji="1" lang="ja-JP" altLang="en-US"/>
           </a:p>
@@ -1099,7 +1104,7 @@
           <a:p>
             <a:fld id="{A8E0094F-F4DA-4A3B-B8F6-999563D6DF4F}" type="datetimeFigureOut">
               <a:rPr kumimoji="1" lang="ja-JP" altLang="en-US" smtClean="0"/>
-              <a:t>2022/5/25</a:t>
+              <a:t>2022/5/26</a:t>
             </a:fld>
             <a:endParaRPr kumimoji="1" lang="ja-JP" altLang="en-US"/>
           </a:p>
@@ -1395,7 +1400,7 @@
           <a:p>
             <a:fld id="{A8E0094F-F4DA-4A3B-B8F6-999563D6DF4F}" type="datetimeFigureOut">
               <a:rPr kumimoji="1" lang="ja-JP" altLang="en-US" smtClean="0"/>
-              <a:t>2022/5/25</a:t>
+              <a:t>2022/5/26</a:t>
             </a:fld>
             <a:endParaRPr kumimoji="1" lang="ja-JP" altLang="en-US"/>
           </a:p>
@@ -1826,7 +1831,7 @@
           <a:p>
             <a:fld id="{A8E0094F-F4DA-4A3B-B8F6-999563D6DF4F}" type="datetimeFigureOut">
               <a:rPr kumimoji="1" lang="ja-JP" altLang="en-US" smtClean="0"/>
-              <a:t>2022/5/25</a:t>
+              <a:t>2022/5/26</a:t>
             </a:fld>
             <a:endParaRPr kumimoji="1" lang="ja-JP" altLang="en-US"/>
           </a:p>
@@ -1944,7 +1949,7 @@
           <a:p>
             <a:fld id="{A8E0094F-F4DA-4A3B-B8F6-999563D6DF4F}" type="datetimeFigureOut">
               <a:rPr kumimoji="1" lang="ja-JP" altLang="en-US" smtClean="0"/>
-              <a:t>2022/5/25</a:t>
+              <a:t>2022/5/26</a:t>
             </a:fld>
             <a:endParaRPr kumimoji="1" lang="ja-JP" altLang="en-US"/>
           </a:p>
@@ -2039,7 +2044,7 @@
           <a:p>
             <a:fld id="{A8E0094F-F4DA-4A3B-B8F6-999563D6DF4F}" type="datetimeFigureOut">
               <a:rPr kumimoji="1" lang="ja-JP" altLang="en-US" smtClean="0"/>
-              <a:t>2022/5/25</a:t>
+              <a:t>2022/5/26</a:t>
             </a:fld>
             <a:endParaRPr kumimoji="1" lang="ja-JP" altLang="en-US"/>
           </a:p>
@@ -2348,7 +2353,7 @@
           <a:p>
             <a:fld id="{A8E0094F-F4DA-4A3B-B8F6-999563D6DF4F}" type="datetimeFigureOut">
               <a:rPr kumimoji="1" lang="ja-JP" altLang="en-US" smtClean="0"/>
-              <a:t>2022/5/25</a:t>
+              <a:t>2022/5/26</a:t>
             </a:fld>
             <a:endParaRPr kumimoji="1" lang="ja-JP" altLang="en-US"/>
           </a:p>
@@ -2605,7 +2610,7 @@
           <a:p>
             <a:fld id="{A8E0094F-F4DA-4A3B-B8F6-999563D6DF4F}" type="datetimeFigureOut">
               <a:rPr kumimoji="1" lang="ja-JP" altLang="en-US" smtClean="0"/>
-              <a:t>2022/5/25</a:t>
+              <a:t>2022/5/26</a:t>
             </a:fld>
             <a:endParaRPr kumimoji="1" lang="ja-JP" altLang="en-US"/>
           </a:p>
@@ -2850,7 +2855,7 @@
           <a:p>
             <a:fld id="{A8E0094F-F4DA-4A3B-B8F6-999563D6DF4F}" type="datetimeFigureOut">
               <a:rPr kumimoji="1" lang="ja-JP" altLang="en-US" smtClean="0"/>
-              <a:t>2022/5/25</a:t>
+              <a:t>2022/5/26</a:t>
             </a:fld>
             <a:endParaRPr kumimoji="1" lang="ja-JP" altLang="en-US"/>
           </a:p>
@@ -3263,13 +3268,13 @@
         </p:nvSpPr>
         <p:spPr>
           <a:xfrm>
-            <a:off x="2793197" y="3223505"/>
+            <a:off x="2793197" y="3227346"/>
             <a:ext cx="693962" cy="366808"/>
           </a:xfrm>
           <a:prstGeom prst="roundRect">
             <a:avLst/>
           </a:prstGeom>
-          <a:ln/>
+          <a:ln w="28575"/>
         </p:spPr>
         <p:style>
           <a:lnRef idx="2">
@@ -3320,7 +3325,7 @@
           <a:prstGeom prst="ellipse">
             <a:avLst/>
           </a:prstGeom>
-          <a:ln/>
+          <a:ln w="28575"/>
         </p:spPr>
         <p:style>
           <a:lnRef idx="2">
@@ -3365,13 +3370,13 @@
         </p:nvSpPr>
         <p:spPr>
           <a:xfrm>
-            <a:off x="3673944" y="3937575"/>
+            <a:off x="3673944" y="3927327"/>
             <a:ext cx="579664" cy="375557"/>
           </a:xfrm>
           <a:prstGeom prst="rect">
             <a:avLst/>
           </a:prstGeom>
-          <a:ln/>
+          <a:ln w="28575"/>
         </p:spPr>
         <p:style>
           <a:lnRef idx="2">
@@ -3416,7 +3421,7 @@
         </p:nvSpPr>
         <p:spPr>
           <a:xfrm>
-            <a:off x="4703926" y="3917079"/>
+            <a:off x="4703926" y="3927327"/>
             <a:ext cx="579664" cy="375557"/>
           </a:xfrm>
           <a:prstGeom prst="rect">
@@ -3427,7 +3432,7 @@
               <a:lumMod val="75000"/>
             </a:schemeClr>
           </a:solidFill>
-          <a:ln/>
+          <a:ln w="28575"/>
         </p:spPr>
         <p:style>
           <a:lnRef idx="2">
@@ -3472,13 +3477,13 @@
         </p:nvSpPr>
         <p:spPr>
           <a:xfrm>
-            <a:off x="5659429" y="3933774"/>
+            <a:off x="5659429" y="3927327"/>
             <a:ext cx="579664" cy="375557"/>
           </a:xfrm>
           <a:prstGeom prst="rect">
             <a:avLst/>
           </a:prstGeom>
-          <a:ln/>
+          <a:ln w="28575"/>
         </p:spPr>
         <p:style>
           <a:lnRef idx="2">
@@ -3523,13 +3528,13 @@
         </p:nvSpPr>
         <p:spPr>
           <a:xfrm>
-            <a:off x="1887463" y="3219704"/>
+            <a:off x="1887463" y="3227346"/>
             <a:ext cx="693962" cy="366808"/>
           </a:xfrm>
           <a:prstGeom prst="roundRect">
             <a:avLst/>
           </a:prstGeom>
-          <a:ln/>
+          <a:ln w="28575"/>
         </p:spPr>
         <p:style>
           <a:lnRef idx="2">
@@ -3574,13 +3579,13 @@
         </p:nvSpPr>
         <p:spPr>
           <a:xfrm>
-            <a:off x="3934734" y="3234988"/>
+            <a:off x="3934734" y="3227346"/>
             <a:ext cx="693962" cy="366808"/>
           </a:xfrm>
           <a:prstGeom prst="roundRect">
             <a:avLst/>
           </a:prstGeom>
-          <a:ln/>
+          <a:ln w="28575"/>
         </p:spPr>
         <p:style>
           <a:lnRef idx="2">
@@ -3886,7 +3891,7 @@
           <a:prstGeom prst="ellipse">
             <a:avLst/>
           </a:prstGeom>
-          <a:ln/>
+          <a:ln w="28575"/>
         </p:spPr>
         <p:style>
           <a:lnRef idx="2">
@@ -3935,7 +3940,7 @@
         <p:spPr>
           <a:xfrm flipH="1">
             <a:off x="3140178" y="2242275"/>
-            <a:ext cx="93495" cy="981230"/>
+            <a:ext cx="93495" cy="985071"/>
           </a:xfrm>
           <a:prstGeom prst="straightConnector1">
             <a:avLst/>
@@ -3971,7 +3976,7 @@
         <p:spPr>
           <a:xfrm>
             <a:off x="1280849" y="2242275"/>
-            <a:ext cx="1859329" cy="981230"/>
+            <a:ext cx="1859329" cy="985071"/>
           </a:xfrm>
           <a:prstGeom prst="straightConnector1">
             <a:avLst/>
@@ -4007,7 +4012,7 @@
         <p:spPr>
           <a:xfrm>
             <a:off x="2258522" y="2242275"/>
-            <a:ext cx="881656" cy="981230"/>
+            <a:ext cx="881656" cy="985071"/>
           </a:xfrm>
           <a:prstGeom prst="straightConnector1">
             <a:avLst/>
@@ -4043,7 +4048,7 @@
         <p:spPr>
           <a:xfrm flipH="1">
             <a:off x="3140178" y="2242275"/>
-            <a:ext cx="1231361" cy="981230"/>
+            <a:ext cx="1231361" cy="985071"/>
           </a:xfrm>
           <a:prstGeom prst="straightConnector1">
             <a:avLst/>
@@ -4079,7 +4084,7 @@
         <p:spPr>
           <a:xfrm flipH="1">
             <a:off x="3140178" y="2242275"/>
-            <a:ext cx="2175273" cy="981230"/>
+            <a:ext cx="2175273" cy="985071"/>
           </a:xfrm>
           <a:prstGeom prst="straightConnector1">
             <a:avLst/>
@@ -4166,7 +4171,7 @@
         <p:spPr>
           <a:xfrm>
             <a:off x="1280849" y="2242275"/>
-            <a:ext cx="953595" cy="977429"/>
+            <a:ext cx="953595" cy="985071"/>
           </a:xfrm>
           <a:prstGeom prst="straightConnector1">
             <a:avLst/>
@@ -4202,7 +4207,7 @@
         <p:spPr>
           <a:xfrm flipH="1">
             <a:off x="2234444" y="2242275"/>
-            <a:ext cx="24078" cy="977429"/>
+            <a:ext cx="24078" cy="985071"/>
           </a:xfrm>
           <a:prstGeom prst="straightConnector1">
             <a:avLst/>
@@ -4238,7 +4243,7 @@
         <p:spPr>
           <a:xfrm flipH="1">
             <a:off x="4281715" y="2242275"/>
-            <a:ext cx="1033736" cy="992713"/>
+            <a:ext cx="1033736" cy="985071"/>
           </a:xfrm>
           <a:prstGeom prst="straightConnector1">
             <a:avLst/>
@@ -4274,7 +4279,7 @@
         <p:spPr>
           <a:xfrm flipH="1">
             <a:off x="3140178" y="2242275"/>
-            <a:ext cx="1231361" cy="981230"/>
+            <a:ext cx="1231361" cy="985071"/>
           </a:xfrm>
           <a:prstGeom prst="straightConnector1">
             <a:avLst/>
@@ -4310,7 +4315,7 @@
         <p:spPr>
           <a:xfrm flipH="1">
             <a:off x="2234444" y="2242275"/>
-            <a:ext cx="2137095" cy="977429"/>
+            <a:ext cx="2137095" cy="985071"/>
           </a:xfrm>
           <a:prstGeom prst="straightConnector1">
             <a:avLst/>
@@ -4346,7 +4351,7 @@
         <p:spPr>
           <a:xfrm flipH="1">
             <a:off x="3140178" y="2242275"/>
-            <a:ext cx="2175273" cy="981230"/>
+            <a:ext cx="2175273" cy="985071"/>
           </a:xfrm>
           <a:prstGeom prst="straightConnector1">
             <a:avLst/>
@@ -4382,7 +4387,7 @@
         <p:spPr>
           <a:xfrm flipH="1">
             <a:off x="2234444" y="2242275"/>
-            <a:ext cx="3081007" cy="977429"/>
+            <a:ext cx="3081007" cy="985071"/>
           </a:xfrm>
           <a:prstGeom prst="straightConnector1">
             <a:avLst/>
@@ -4418,14 +4423,16 @@
         <p:spPr>
           <a:xfrm>
             <a:off x="3233673" y="2242275"/>
-            <a:ext cx="730103" cy="1695300"/>
+            <a:ext cx="730103" cy="1685052"/>
           </a:xfrm>
           <a:prstGeom prst="straightConnector1">
             <a:avLst/>
           </a:prstGeom>
           <a:ln w="12700">
             <a:solidFill>
-              <a:srgbClr val="FF0000"/>
+              <a:schemeClr val="accent2">
+                <a:lumMod val="75000"/>
+              </a:schemeClr>
             </a:solidFill>
             <a:tailEnd type="triangle"/>
           </a:ln>
@@ -4457,14 +4464,16 @@
         <p:spPr>
           <a:xfrm flipH="1">
             <a:off x="5949261" y="2242275"/>
-            <a:ext cx="527613" cy="1691499"/>
+            <a:ext cx="527613" cy="1685052"/>
           </a:xfrm>
           <a:prstGeom prst="straightConnector1">
             <a:avLst/>
           </a:prstGeom>
           <a:ln w="12700">
             <a:solidFill>
-              <a:srgbClr val="FF0000"/>
+              <a:schemeClr val="accent2">
+                <a:lumMod val="75000"/>
+              </a:schemeClr>
             </a:solidFill>
             <a:tailEnd type="triangle"/>
           </a:ln>
@@ -4496,14 +4505,16 @@
         <p:spPr>
           <a:xfrm>
             <a:off x="4371539" y="2242275"/>
-            <a:ext cx="622219" cy="1674804"/>
+            <a:ext cx="622219" cy="1685052"/>
           </a:xfrm>
           <a:prstGeom prst="straightConnector1">
             <a:avLst/>
           </a:prstGeom>
           <a:ln w="12700">
             <a:solidFill>
-              <a:srgbClr val="FF0000"/>
+              <a:schemeClr val="accent2">
+                <a:lumMod val="75000"/>
+              </a:schemeClr>
             </a:solidFill>
             <a:tailEnd type="triangle"/>
           </a:ln>
@@ -4535,14 +4546,16 @@
         <p:spPr>
           <a:xfrm flipH="1">
             <a:off x="4993758" y="2242275"/>
-            <a:ext cx="321693" cy="1674804"/>
+            <a:ext cx="321693" cy="1685052"/>
           </a:xfrm>
           <a:prstGeom prst="straightConnector1">
             <a:avLst/>
           </a:prstGeom>
           <a:ln w="12700">
             <a:solidFill>
-              <a:srgbClr val="FF0000"/>
+              <a:schemeClr val="accent2">
+                <a:lumMod val="75000"/>
+              </a:schemeClr>
             </a:solidFill>
             <a:tailEnd type="triangle"/>
           </a:ln>
@@ -4652,7 +4665,7 @@
         <p:spPr>
           <a:xfrm flipH="1">
             <a:off x="3140178" y="2242275"/>
-            <a:ext cx="3336696" cy="981230"/>
+            <a:ext cx="3336696" cy="985071"/>
           </a:xfrm>
           <a:prstGeom prst="straightConnector1">
             <a:avLst/>
@@ -4924,6 +4937,16 @@
           <a:prstGeom prst="rect">
             <a:avLst/>
           </a:prstGeom>
+          <a:solidFill>
+            <a:srgbClr val="FF0000">
+              <a:alpha val="69804"/>
+            </a:srgbClr>
+          </a:solidFill>
+          <a:ln w="28575">
+            <a:solidFill>
+              <a:srgbClr val="FF0000"/>
+            </a:solidFill>
+          </a:ln>
         </p:spPr>
         <p:style>
           <a:lnRef idx="2">
@@ -4965,15 +4988,15 @@
         </p:nvCxnSpPr>
         <p:spPr>
           <a:xfrm flipV="1">
-            <a:off x="4993758" y="4292636"/>
-            <a:ext cx="0" cy="720545"/>
+            <a:off x="4993758" y="4302884"/>
+            <a:ext cx="0" cy="710297"/>
           </a:xfrm>
           <a:prstGeom prst="straightConnector1">
             <a:avLst/>
           </a:prstGeom>
           <a:ln w="12700">
             <a:solidFill>
-              <a:schemeClr val="tx1"/>
+              <a:srgbClr val="FF0000"/>
             </a:solidFill>
             <a:tailEnd type="none"/>
           </a:ln>
@@ -5004,15 +5027,15 @@
         </p:nvCxnSpPr>
         <p:spPr>
           <a:xfrm flipH="1" flipV="1">
-            <a:off x="3963776" y="4313132"/>
-            <a:ext cx="1029982" cy="700049"/>
+            <a:off x="3963776" y="4302884"/>
+            <a:ext cx="1029982" cy="710297"/>
           </a:xfrm>
           <a:prstGeom prst="straightConnector1">
             <a:avLst/>
           </a:prstGeom>
           <a:ln w="12700">
             <a:solidFill>
-              <a:schemeClr val="tx1"/>
+              <a:srgbClr val="FF0000"/>
             </a:solidFill>
             <a:tailEnd type="none"/>
           </a:ln>
@@ -5043,15 +5066,15 @@
         </p:nvCxnSpPr>
         <p:spPr>
           <a:xfrm flipV="1">
-            <a:off x="4993758" y="4309331"/>
-            <a:ext cx="955503" cy="703850"/>
+            <a:off x="4993758" y="4302884"/>
+            <a:ext cx="955503" cy="710297"/>
           </a:xfrm>
           <a:prstGeom prst="straightConnector1">
             <a:avLst/>
           </a:prstGeom>
           <a:ln w="12700">
             <a:solidFill>
-              <a:schemeClr val="tx1"/>
+              <a:srgbClr val="FF0000"/>
             </a:solidFill>
             <a:tailEnd type="none"/>
           </a:ln>
@@ -5082,8 +5105,8 @@
         </p:nvCxnSpPr>
         <p:spPr>
           <a:xfrm flipH="1" flipV="1">
-            <a:off x="2234444" y="3586512"/>
-            <a:ext cx="1439500" cy="538842"/>
+            <a:off x="2234444" y="3594154"/>
+            <a:ext cx="1439500" cy="520952"/>
           </a:xfrm>
           <a:prstGeom prst="straightConnector1">
             <a:avLst/>
@@ -5121,8 +5144,8 @@
         </p:nvCxnSpPr>
         <p:spPr>
           <a:xfrm flipH="1" flipV="1">
-            <a:off x="3140178" y="3590313"/>
-            <a:ext cx="533766" cy="535041"/>
+            <a:off x="3140178" y="3594154"/>
+            <a:ext cx="533766" cy="520952"/>
           </a:xfrm>
           <a:prstGeom prst="straightConnector1">
             <a:avLst/>
@@ -5160,13 +5183,13 @@
         </p:nvCxnSpPr>
         <p:spPr>
           <a:xfrm flipH="1" flipV="1">
-            <a:off x="4281715" y="3601796"/>
-            <a:ext cx="422211" cy="503062"/>
+            <a:off x="4281715" y="3594154"/>
+            <a:ext cx="422211" cy="520952"/>
           </a:xfrm>
           <a:prstGeom prst="straightConnector1">
             <a:avLst/>
           </a:prstGeom>
-          <a:ln>
+          <a:ln w="12700">
             <a:solidFill>
               <a:schemeClr val="tx1"/>
             </a:solidFill>
@@ -5241,7 +5264,7 @@
         </p:nvSpPr>
         <p:spPr>
           <a:xfrm>
-            <a:off x="6972343" y="1825896"/>
+            <a:off x="6931523" y="1825896"/>
             <a:ext cx="1368542" cy="400110"/>
           </a:xfrm>
           <a:prstGeom prst="rect">
@@ -5286,7 +5309,7 @@
         </p:nvSpPr>
         <p:spPr>
           <a:xfrm>
-            <a:off x="480817" y="3188978"/>
+            <a:off x="472653" y="3188978"/>
             <a:ext cx="1397606" cy="400110"/>
           </a:xfrm>
           <a:prstGeom prst="rect">
@@ -5352,7 +5375,21 @@
                 <a:latin typeface="Arial" panose="020B0604020202020204" pitchFamily="34" charset="0"/>
                 <a:cs typeface="Arial" panose="020B0604020202020204" pitchFamily="34" charset="0"/>
               </a:rPr>
-              <a:t>NTT and NFT contracts</a:t>
+              <a:t>NTT </a:t>
+            </a:r>
+            <a:r>
+              <a:rPr kumimoji="1" lang="en-US" altLang="ja-JP" sz="1000" dirty="0" smtClean="0">
+                <a:latin typeface="Arial" panose="020B0604020202020204" pitchFamily="34" charset="0"/>
+                <a:cs typeface="Arial" panose="020B0604020202020204" pitchFamily="34" charset="0"/>
+              </a:rPr>
+              <a:t>or </a:t>
+            </a:r>
+            <a:r>
+              <a:rPr kumimoji="1" lang="en-US" altLang="ja-JP" sz="1000" dirty="0" smtClean="0">
+                <a:latin typeface="Arial" panose="020B0604020202020204" pitchFamily="34" charset="0"/>
+                <a:cs typeface="Arial" panose="020B0604020202020204" pitchFamily="34" charset="0"/>
+              </a:rPr>
+              <a:t>NFT contracts</a:t>
             </a:r>
           </a:p>
           <a:p>
@@ -5550,7 +5587,9 @@
             <a:r>
               <a:rPr kumimoji="1" lang="en-US" altLang="ja-JP" sz="1000" dirty="0" smtClean="0">
                 <a:solidFill>
-                  <a:srgbClr val="FF0000"/>
+                  <a:schemeClr val="accent2">
+                    <a:lumMod val="75000"/>
+                  </a:schemeClr>
                 </a:solidFill>
                 <a:latin typeface="Arial" panose="020B0604020202020204" pitchFamily="34" charset="0"/>
                 <a:cs typeface="Arial" panose="020B0604020202020204" pitchFamily="34" charset="0"/>
@@ -5559,7 +5598,9 @@
             </a:r>
             <a:endParaRPr kumimoji="1" lang="ja-JP" altLang="en-US" sz="1000" dirty="0">
               <a:solidFill>
-                <a:srgbClr val="FF0000"/>
+                <a:schemeClr val="accent2">
+                  <a:lumMod val="75000"/>
+                </a:schemeClr>
               </a:solidFill>
               <a:latin typeface="Arial" panose="020B0604020202020204" pitchFamily="34" charset="0"/>
               <a:cs typeface="Arial" panose="020B0604020202020204" pitchFamily="34" charset="0"/>
@@ -5655,8 +5696,8 @@
         </p:nvSpPr>
         <p:spPr>
           <a:xfrm>
-            <a:off x="6493686" y="4320813"/>
-            <a:ext cx="2911374" cy="2554545"/>
+            <a:off x="7433757" y="5740099"/>
+            <a:ext cx="1324402" cy="400110"/>
           </a:xfrm>
           <a:prstGeom prst="rect">
             <a:avLst/>
@@ -5670,19 +5711,23 @@
           <a:lstStyle/>
           <a:p>
             <a:r>
-              <a:rPr kumimoji="1" lang="en-US" altLang="ja-JP" sz="1000" dirty="0" err="1" smtClean="0">
+              <a:rPr lang="en-US" altLang="ja-JP" sz="1000" dirty="0" smtClean="0">
                 <a:solidFill>
-                  <a:srgbClr val="FFC000"/>
+                  <a:schemeClr val="bg1">
+                    <a:lumMod val="50000"/>
+                  </a:schemeClr>
                 </a:solidFill>
                 <a:latin typeface="Arial" panose="020B0604020202020204" pitchFamily="34" charset="0"/>
                 <a:cs typeface="Arial" panose="020B0604020202020204" pitchFamily="34" charset="0"/>
               </a:rPr>
-              <a:t>mfs</a:t>
-            </a:r>
-            <a:r>
-              <a:rPr kumimoji="1" lang="en-US" altLang="ja-JP" sz="1000" dirty="0" smtClean="0">
+              <a:t>mml</a:t>
+            </a:r>
+            <a:r>
+              <a:rPr lang="en-US" altLang="ja-JP" sz="1000" dirty="0" smtClean="0">
                 <a:solidFill>
-                  <a:srgbClr val="FFC000"/>
+                  <a:schemeClr val="bg1">
+                    <a:lumMod val="50000"/>
+                  </a:schemeClr>
                 </a:solidFill>
                 <a:latin typeface="Arial" panose="020B0604020202020204" pitchFamily="34" charset="0"/>
                 <a:cs typeface="Arial" panose="020B0604020202020204" pitchFamily="34" charset="0"/>
@@ -5690,18 +5735,22 @@
               <a:t>: </a:t>
             </a:r>
             <a:r>
-              <a:rPr kumimoji="1" lang="en-US" altLang="ja-JP" sz="1000" dirty="0" err="1" smtClean="0">
+              <a:rPr lang="en-US" altLang="ja-JP" sz="1000" dirty="0" err="1" smtClean="0">
                 <a:solidFill>
-                  <a:srgbClr val="FFC000"/>
+                  <a:schemeClr val="bg1">
+                    <a:lumMod val="50000"/>
+                  </a:schemeClr>
                 </a:solidFill>
                 <a:latin typeface="Arial" panose="020B0604020202020204" pitchFamily="34" charset="0"/>
                 <a:cs typeface="Arial" panose="020B0604020202020204" pitchFamily="34" charset="0"/>
               </a:rPr>
-              <a:t>murasaki_function_share</a:t>
-            </a:r>
-            <a:endParaRPr kumimoji="1" lang="en-US" altLang="ja-JP" sz="1000" dirty="0" smtClean="0">
+              <a:t>murasaki_mail</a:t>
+            </a:r>
+            <a:endParaRPr lang="en-US" altLang="ja-JP" sz="1000" dirty="0" smtClean="0">
               <a:solidFill>
-                <a:srgbClr val="FFC000"/>
+                <a:schemeClr val="bg1">
+                  <a:lumMod val="50000"/>
+                </a:schemeClr>
               </a:solidFill>
               <a:latin typeface="Arial" panose="020B0604020202020204" pitchFamily="34" charset="0"/>
               <a:cs typeface="Arial" panose="020B0604020202020204" pitchFamily="34" charset="0"/>
@@ -5711,17 +5760,21 @@
             <a:r>
               <a:rPr lang="en-US" altLang="ja-JP" sz="1000" dirty="0" err="1" smtClean="0">
                 <a:solidFill>
-                  <a:srgbClr val="FFC000"/>
+                  <a:schemeClr val="bg1">
+                    <a:lumMod val="50000"/>
+                  </a:schemeClr>
                 </a:solidFill>
                 <a:latin typeface="Arial" panose="020B0604020202020204" pitchFamily="34" charset="0"/>
                 <a:cs typeface="Arial" panose="020B0604020202020204" pitchFamily="34" charset="0"/>
               </a:rPr>
-              <a:t>mfcc</a:t>
+              <a:t>wd</a:t>
             </a:r>
             <a:r>
               <a:rPr lang="en-US" altLang="ja-JP" sz="1000" dirty="0" smtClean="0">
                 <a:solidFill>
-                  <a:srgbClr val="FFC000"/>
+                  <a:schemeClr val="bg1">
+                    <a:lumMod val="50000"/>
+                  </a:schemeClr>
                 </a:solidFill>
                 <a:latin typeface="Arial" panose="020B0604020202020204" pitchFamily="34" charset="0"/>
                 <a:cs typeface="Arial" panose="020B0604020202020204" pitchFamily="34" charset="0"/>
@@ -5731,503 +5784,25 @@
             <a:r>
               <a:rPr lang="en-US" altLang="ja-JP" sz="1000" dirty="0" err="1" smtClean="0">
                 <a:solidFill>
-                  <a:srgbClr val="FFC000"/>
+                  <a:schemeClr val="bg1">
+                    <a:lumMod val="50000"/>
+                  </a:schemeClr>
                 </a:solidFill>
                 <a:latin typeface="Arial" panose="020B0604020202020204" pitchFamily="34" charset="0"/>
                 <a:cs typeface="Arial" panose="020B0604020202020204" pitchFamily="34" charset="0"/>
               </a:rPr>
-              <a:t>murasaki_function_crafting_codex</a:t>
-            </a:r>
-            <a:endParaRPr lang="en-US" altLang="ja-JP" sz="1000" dirty="0" smtClean="0">
+              <a:t>world_dice</a:t>
+            </a:r>
+            <a:endParaRPr lang="en-US" altLang="ja-JP" sz="1000" dirty="0">
               <a:solidFill>
-                <a:srgbClr val="FFC000"/>
+                <a:schemeClr val="bg1">
+                  <a:lumMod val="50000"/>
+                </a:schemeClr>
               </a:solidFill>
               <a:latin typeface="Arial" panose="020B0604020202020204" pitchFamily="34" charset="0"/>
               <a:cs typeface="Arial" panose="020B0604020202020204" pitchFamily="34" charset="0"/>
             </a:endParaRPr>
           </a:p>
-          <a:p>
-            <a:r>
-              <a:rPr lang="en-US" altLang="ja-JP" sz="1000" dirty="0" err="1" smtClean="0">
-                <a:solidFill>
-                  <a:srgbClr val="0070C0"/>
-                </a:solidFill>
-                <a:latin typeface="Arial" panose="020B0604020202020204" pitchFamily="34" charset="0"/>
-                <a:cs typeface="Arial" panose="020B0604020202020204" pitchFamily="34" charset="0"/>
-              </a:rPr>
-              <a:t>mfsl</a:t>
-            </a:r>
-            <a:r>
-              <a:rPr lang="en-US" altLang="ja-JP" sz="1000" dirty="0" smtClean="0">
-                <a:solidFill>
-                  <a:srgbClr val="0070C0"/>
-                </a:solidFill>
-                <a:latin typeface="Arial" panose="020B0604020202020204" pitchFamily="34" charset="0"/>
-                <a:cs typeface="Arial" panose="020B0604020202020204" pitchFamily="34" charset="0"/>
-              </a:rPr>
-              <a:t>: </a:t>
-            </a:r>
-            <a:r>
-              <a:rPr lang="en-US" altLang="ja-JP" sz="1000" dirty="0" err="1" smtClean="0">
-                <a:solidFill>
-                  <a:srgbClr val="0070C0"/>
-                </a:solidFill>
-                <a:latin typeface="Arial" panose="020B0604020202020204" pitchFamily="34" charset="0"/>
-                <a:cs typeface="Arial" panose="020B0604020202020204" pitchFamily="34" charset="0"/>
-              </a:rPr>
-              <a:t>murasaki_function_summon_and_levelup</a:t>
-            </a:r>
-            <a:endParaRPr lang="en-US" altLang="ja-JP" sz="1000" dirty="0" smtClean="0">
-              <a:solidFill>
-                <a:srgbClr val="0070C0"/>
-              </a:solidFill>
-              <a:latin typeface="Arial" panose="020B0604020202020204" pitchFamily="34" charset="0"/>
-              <a:cs typeface="Arial" panose="020B0604020202020204" pitchFamily="34" charset="0"/>
-            </a:endParaRPr>
-          </a:p>
-          <a:p>
-            <a:r>
-              <a:rPr kumimoji="1" lang="en-US" altLang="ja-JP" sz="1000" dirty="0" err="1" smtClean="0">
-                <a:solidFill>
-                  <a:srgbClr val="0070C0"/>
-                </a:solidFill>
-                <a:latin typeface="Arial" panose="020B0604020202020204" pitchFamily="34" charset="0"/>
-                <a:cs typeface="Arial" panose="020B0604020202020204" pitchFamily="34" charset="0"/>
-              </a:rPr>
-              <a:t>mffg</a:t>
-            </a:r>
-            <a:r>
-              <a:rPr kumimoji="1" lang="en-US" altLang="ja-JP" sz="1000" dirty="0" smtClean="0">
-                <a:solidFill>
-                  <a:srgbClr val="0070C0"/>
-                </a:solidFill>
-                <a:latin typeface="Arial" panose="020B0604020202020204" pitchFamily="34" charset="0"/>
-                <a:cs typeface="Arial" panose="020B0604020202020204" pitchFamily="34" charset="0"/>
-              </a:rPr>
-              <a:t>: </a:t>
-            </a:r>
-            <a:r>
-              <a:rPr kumimoji="1" lang="en-US" altLang="ja-JP" sz="1000" dirty="0" err="1" smtClean="0">
-                <a:solidFill>
-                  <a:srgbClr val="0070C0"/>
-                </a:solidFill>
-                <a:latin typeface="Arial" panose="020B0604020202020204" pitchFamily="34" charset="0"/>
-                <a:cs typeface="Arial" panose="020B0604020202020204" pitchFamily="34" charset="0"/>
-              </a:rPr>
-              <a:t>murasaki_function_feeding_and_grooming</a:t>
-            </a:r>
-            <a:endParaRPr kumimoji="1" lang="en-US" altLang="ja-JP" sz="1000" dirty="0" smtClean="0">
-              <a:solidFill>
-                <a:srgbClr val="0070C0"/>
-              </a:solidFill>
-              <a:latin typeface="Arial" panose="020B0604020202020204" pitchFamily="34" charset="0"/>
-              <a:cs typeface="Arial" panose="020B0604020202020204" pitchFamily="34" charset="0"/>
-            </a:endParaRPr>
-          </a:p>
-          <a:p>
-            <a:r>
-              <a:rPr lang="en-US" altLang="ja-JP" sz="1000" dirty="0" err="1" smtClean="0">
-                <a:solidFill>
-                  <a:srgbClr val="0070C0"/>
-                </a:solidFill>
-                <a:latin typeface="Arial" panose="020B0604020202020204" pitchFamily="34" charset="0"/>
-                <a:cs typeface="Arial" panose="020B0604020202020204" pitchFamily="34" charset="0"/>
-              </a:rPr>
-              <a:t>mfmf</a:t>
-            </a:r>
-            <a:r>
-              <a:rPr lang="en-US" altLang="ja-JP" sz="1000" dirty="0" smtClean="0">
-                <a:solidFill>
-                  <a:srgbClr val="0070C0"/>
-                </a:solidFill>
-                <a:latin typeface="Arial" panose="020B0604020202020204" pitchFamily="34" charset="0"/>
-                <a:cs typeface="Arial" panose="020B0604020202020204" pitchFamily="34" charset="0"/>
-              </a:rPr>
-              <a:t>: </a:t>
-            </a:r>
-            <a:r>
-              <a:rPr lang="en-US" altLang="ja-JP" sz="1000" dirty="0" err="1" smtClean="0">
-                <a:solidFill>
-                  <a:srgbClr val="0070C0"/>
-                </a:solidFill>
-                <a:latin typeface="Arial" panose="020B0604020202020204" pitchFamily="34" charset="0"/>
-                <a:cs typeface="Arial" panose="020B0604020202020204" pitchFamily="34" charset="0"/>
-              </a:rPr>
-              <a:t>murasaki_function_mining_and_farming</a:t>
-            </a:r>
-            <a:endParaRPr lang="en-US" altLang="ja-JP" sz="1000" dirty="0" smtClean="0">
-              <a:solidFill>
-                <a:srgbClr val="0070C0"/>
-              </a:solidFill>
-              <a:latin typeface="Arial" panose="020B0604020202020204" pitchFamily="34" charset="0"/>
-              <a:cs typeface="Arial" panose="020B0604020202020204" pitchFamily="34" charset="0"/>
-            </a:endParaRPr>
-          </a:p>
-          <a:p>
-            <a:r>
-              <a:rPr lang="en-US" altLang="ja-JP" sz="1000" dirty="0" smtClean="0">
-                <a:solidFill>
-                  <a:srgbClr val="0070C0"/>
-                </a:solidFill>
-                <a:latin typeface="Arial" panose="020B0604020202020204" pitchFamily="34" charset="0"/>
-                <a:cs typeface="Arial" panose="020B0604020202020204" pitchFamily="34" charset="0"/>
-              </a:rPr>
-              <a:t>mfc1</a:t>
-            </a:r>
-            <a:r>
-              <a:rPr lang="en-US" altLang="ja-JP" sz="1000" dirty="0">
-                <a:solidFill>
-                  <a:srgbClr val="0070C0"/>
-                </a:solidFill>
-                <a:latin typeface="Arial" panose="020B0604020202020204" pitchFamily="34" charset="0"/>
-                <a:cs typeface="Arial" panose="020B0604020202020204" pitchFamily="34" charset="0"/>
-              </a:rPr>
-              <a:t>: murasaki_function_crafting1</a:t>
-            </a:r>
-          </a:p>
-          <a:p>
-            <a:r>
-              <a:rPr lang="en-US" altLang="ja-JP" sz="1000" dirty="0" smtClean="0">
-                <a:solidFill>
-                  <a:srgbClr val="0070C0"/>
-                </a:solidFill>
-                <a:latin typeface="Arial" panose="020B0604020202020204" pitchFamily="34" charset="0"/>
-                <a:cs typeface="Arial" panose="020B0604020202020204" pitchFamily="34" charset="0"/>
-              </a:rPr>
-              <a:t>mfc1</a:t>
-            </a:r>
-            <a:r>
-              <a:rPr lang="en-US" altLang="ja-JP" sz="1000" dirty="0">
-                <a:solidFill>
-                  <a:srgbClr val="0070C0"/>
-                </a:solidFill>
-                <a:latin typeface="Arial" panose="020B0604020202020204" pitchFamily="34" charset="0"/>
-                <a:cs typeface="Arial" panose="020B0604020202020204" pitchFamily="34" charset="0"/>
-              </a:rPr>
-              <a:t>: </a:t>
-            </a:r>
-            <a:r>
-              <a:rPr lang="en-US" altLang="ja-JP" sz="1000" dirty="0" smtClean="0">
-                <a:solidFill>
-                  <a:srgbClr val="0070C0"/>
-                </a:solidFill>
-                <a:latin typeface="Arial" panose="020B0604020202020204" pitchFamily="34" charset="0"/>
-                <a:cs typeface="Arial" panose="020B0604020202020204" pitchFamily="34" charset="0"/>
-              </a:rPr>
-              <a:t>murasaki_function_crafting2</a:t>
-            </a:r>
-          </a:p>
-          <a:p>
-            <a:r>
-              <a:rPr lang="en-US" altLang="ja-JP" sz="1000" dirty="0" err="1" smtClean="0">
-                <a:solidFill>
-                  <a:srgbClr val="0070C0"/>
-                </a:solidFill>
-                <a:latin typeface="Arial" panose="020B0604020202020204" pitchFamily="34" charset="0"/>
-                <a:cs typeface="Arial" panose="020B0604020202020204" pitchFamily="34" charset="0"/>
-              </a:rPr>
-              <a:t>mfn</a:t>
-            </a:r>
-            <a:r>
-              <a:rPr lang="en-US" altLang="ja-JP" sz="1000" dirty="0" smtClean="0">
-                <a:solidFill>
-                  <a:srgbClr val="0070C0"/>
-                </a:solidFill>
-                <a:latin typeface="Arial" panose="020B0604020202020204" pitchFamily="34" charset="0"/>
-                <a:cs typeface="Arial" panose="020B0604020202020204" pitchFamily="34" charset="0"/>
-              </a:rPr>
-              <a:t>: </a:t>
-            </a:r>
-            <a:r>
-              <a:rPr lang="en-US" altLang="ja-JP" sz="1000" dirty="0" err="1" smtClean="0">
-                <a:solidFill>
-                  <a:srgbClr val="0070C0"/>
-                </a:solidFill>
-                <a:latin typeface="Arial" panose="020B0604020202020204" pitchFamily="34" charset="0"/>
-                <a:cs typeface="Arial" panose="020B0604020202020204" pitchFamily="34" charset="0"/>
-              </a:rPr>
-              <a:t>murasaki_function_name</a:t>
-            </a:r>
-            <a:endParaRPr lang="en-US" altLang="ja-JP" sz="1000" dirty="0" smtClean="0">
-              <a:solidFill>
-                <a:srgbClr val="0070C0"/>
-              </a:solidFill>
-              <a:latin typeface="Arial" panose="020B0604020202020204" pitchFamily="34" charset="0"/>
-              <a:cs typeface="Arial" panose="020B0604020202020204" pitchFamily="34" charset="0"/>
-            </a:endParaRPr>
-          </a:p>
-          <a:p>
-            <a:r>
-              <a:rPr lang="en-US" altLang="ja-JP" sz="1000" dirty="0" err="1" smtClean="0">
-                <a:solidFill>
-                  <a:srgbClr val="0070C0"/>
-                </a:solidFill>
-                <a:latin typeface="Arial" panose="020B0604020202020204" pitchFamily="34" charset="0"/>
-                <a:cs typeface="Arial" panose="020B0604020202020204" pitchFamily="34" charset="0"/>
-              </a:rPr>
-              <a:t>mss</a:t>
-            </a:r>
-            <a:r>
-              <a:rPr lang="en-US" altLang="ja-JP" sz="1000" dirty="0" smtClean="0">
-                <a:solidFill>
-                  <a:srgbClr val="0070C0"/>
-                </a:solidFill>
-                <a:latin typeface="Arial" panose="020B0604020202020204" pitchFamily="34" charset="0"/>
-                <a:cs typeface="Arial" panose="020B0604020202020204" pitchFamily="34" charset="0"/>
-              </a:rPr>
-              <a:t>: </a:t>
-            </a:r>
-            <a:r>
-              <a:rPr lang="en-US" altLang="ja-JP" sz="1000" dirty="0" err="1" smtClean="0">
-                <a:solidFill>
-                  <a:srgbClr val="0070C0"/>
-                </a:solidFill>
-                <a:latin typeface="Arial" panose="020B0604020202020204" pitchFamily="34" charset="0"/>
-                <a:cs typeface="Arial" panose="020B0604020202020204" pitchFamily="34" charset="0"/>
-              </a:rPr>
-              <a:t>murasaki_storage_score</a:t>
-            </a:r>
-            <a:endParaRPr lang="en-US" altLang="ja-JP" sz="1000" dirty="0" smtClean="0">
-              <a:solidFill>
-                <a:srgbClr val="0070C0"/>
-              </a:solidFill>
-              <a:latin typeface="Arial" panose="020B0604020202020204" pitchFamily="34" charset="0"/>
-              <a:cs typeface="Arial" panose="020B0604020202020204" pitchFamily="34" charset="0"/>
-            </a:endParaRPr>
-          </a:p>
-          <a:p>
-            <a:r>
-              <a:rPr lang="en-US" altLang="ja-JP" sz="1000" dirty="0" err="1" smtClean="0">
-                <a:solidFill>
-                  <a:srgbClr val="0070C0"/>
-                </a:solidFill>
-                <a:latin typeface="Arial" panose="020B0604020202020204" pitchFamily="34" charset="0"/>
-                <a:cs typeface="Arial" panose="020B0604020202020204" pitchFamily="34" charset="0"/>
-              </a:rPr>
-              <a:t>ms</a:t>
-            </a:r>
-            <a:r>
-              <a:rPr lang="en-US" altLang="ja-JP" sz="1000" dirty="0" smtClean="0">
-                <a:solidFill>
-                  <a:srgbClr val="0070C0"/>
-                </a:solidFill>
-                <a:latin typeface="Arial" panose="020B0604020202020204" pitchFamily="34" charset="0"/>
-                <a:cs typeface="Arial" panose="020B0604020202020204" pitchFamily="34" charset="0"/>
-              </a:rPr>
-              <a:t>: </a:t>
-            </a:r>
-            <a:r>
-              <a:rPr lang="en-US" altLang="ja-JP" sz="1000" dirty="0" err="1" smtClean="0">
-                <a:solidFill>
-                  <a:srgbClr val="0070C0"/>
-                </a:solidFill>
-                <a:latin typeface="Arial" panose="020B0604020202020204" pitchFamily="34" charset="0"/>
-                <a:cs typeface="Arial" panose="020B0604020202020204" pitchFamily="34" charset="0"/>
-              </a:rPr>
-              <a:t>murasaki_storage</a:t>
-            </a:r>
-            <a:endParaRPr lang="en-US" altLang="ja-JP" sz="1000" dirty="0" smtClean="0">
-              <a:solidFill>
-                <a:srgbClr val="0070C0"/>
-              </a:solidFill>
-              <a:latin typeface="Arial" panose="020B0604020202020204" pitchFamily="34" charset="0"/>
-              <a:cs typeface="Arial" panose="020B0604020202020204" pitchFamily="34" charset="0"/>
-            </a:endParaRPr>
-          </a:p>
-          <a:p>
-            <a:r>
-              <a:rPr lang="en-US" altLang="ja-JP" sz="1000" dirty="0" smtClean="0">
-                <a:solidFill>
-                  <a:srgbClr val="0070C0"/>
-                </a:solidFill>
-                <a:latin typeface="Arial" panose="020B0604020202020204" pitchFamily="34" charset="0"/>
-                <a:cs typeface="Arial" panose="020B0604020202020204" pitchFamily="34" charset="0"/>
-              </a:rPr>
-              <a:t>msn: </a:t>
-            </a:r>
-            <a:r>
-              <a:rPr lang="en-US" altLang="ja-JP" sz="1000" dirty="0" err="1" smtClean="0">
-                <a:solidFill>
-                  <a:srgbClr val="0070C0"/>
-                </a:solidFill>
-                <a:latin typeface="Arial" panose="020B0604020202020204" pitchFamily="34" charset="0"/>
-                <a:cs typeface="Arial" panose="020B0604020202020204" pitchFamily="34" charset="0"/>
-              </a:rPr>
-              <a:t>murasaki_storage_nui</a:t>
-            </a:r>
-            <a:endParaRPr lang="en-US" altLang="ja-JP" sz="1000" dirty="0" smtClean="0">
-              <a:solidFill>
-                <a:srgbClr val="0070C0"/>
-              </a:solidFill>
-              <a:latin typeface="Arial" panose="020B0604020202020204" pitchFamily="34" charset="0"/>
-              <a:cs typeface="Arial" panose="020B0604020202020204" pitchFamily="34" charset="0"/>
-            </a:endParaRPr>
-          </a:p>
-          <a:p>
-            <a:r>
-              <a:rPr lang="en-US" altLang="ja-JP" sz="1000" dirty="0" smtClean="0">
-                <a:solidFill>
-                  <a:srgbClr val="0070C0"/>
-                </a:solidFill>
-                <a:latin typeface="Arial" panose="020B0604020202020204" pitchFamily="34" charset="0"/>
-                <a:cs typeface="Arial" panose="020B0604020202020204" pitchFamily="34" charset="0"/>
-              </a:rPr>
-              <a:t>mm: </a:t>
-            </a:r>
-            <a:r>
-              <a:rPr lang="en-US" altLang="ja-JP" sz="1000" dirty="0" err="1" smtClean="0">
-                <a:solidFill>
-                  <a:srgbClr val="0070C0"/>
-                </a:solidFill>
-                <a:latin typeface="Arial" panose="020B0604020202020204" pitchFamily="34" charset="0"/>
-                <a:cs typeface="Arial" panose="020B0604020202020204" pitchFamily="34" charset="0"/>
-              </a:rPr>
-              <a:t>murasaki_main</a:t>
-            </a:r>
-            <a:endParaRPr lang="en-US" altLang="ja-JP" sz="1000" dirty="0" smtClean="0">
-              <a:solidFill>
-                <a:srgbClr val="0070C0"/>
-              </a:solidFill>
-              <a:latin typeface="Arial" panose="020B0604020202020204" pitchFamily="34" charset="0"/>
-              <a:cs typeface="Arial" panose="020B0604020202020204" pitchFamily="34" charset="0"/>
-            </a:endParaRPr>
-          </a:p>
-          <a:p>
-            <a:r>
-              <a:rPr lang="en-US" altLang="ja-JP" sz="1000" dirty="0" smtClean="0">
-                <a:solidFill>
-                  <a:srgbClr val="0070C0"/>
-                </a:solidFill>
-                <a:latin typeface="Arial" panose="020B0604020202020204" pitchFamily="34" charset="0"/>
-                <a:cs typeface="Arial" panose="020B0604020202020204" pitchFamily="34" charset="0"/>
-              </a:rPr>
-              <a:t>mc: </a:t>
-            </a:r>
-            <a:r>
-              <a:rPr lang="en-US" altLang="ja-JP" sz="1000" dirty="0" err="1" smtClean="0">
-                <a:solidFill>
-                  <a:srgbClr val="0070C0"/>
-                </a:solidFill>
-                <a:latin typeface="Arial" panose="020B0604020202020204" pitchFamily="34" charset="0"/>
-                <a:cs typeface="Arial" panose="020B0604020202020204" pitchFamily="34" charset="0"/>
-              </a:rPr>
-              <a:t>murasaki_craft</a:t>
-            </a:r>
-            <a:endParaRPr lang="en-US" altLang="ja-JP" sz="1000" dirty="0" smtClean="0">
-              <a:solidFill>
-                <a:srgbClr val="0070C0"/>
-              </a:solidFill>
-              <a:latin typeface="Arial" panose="020B0604020202020204" pitchFamily="34" charset="0"/>
-              <a:cs typeface="Arial" panose="020B0604020202020204" pitchFamily="34" charset="0"/>
-            </a:endParaRPr>
-          </a:p>
-          <a:p>
-            <a:r>
-              <a:rPr lang="en-US" altLang="ja-JP" sz="1000" dirty="0" err="1" smtClean="0">
-                <a:solidFill>
-                  <a:srgbClr val="0070C0"/>
-                </a:solidFill>
-                <a:latin typeface="Arial" panose="020B0604020202020204" pitchFamily="34" charset="0"/>
-                <a:cs typeface="Arial" panose="020B0604020202020204" pitchFamily="34" charset="0"/>
-              </a:rPr>
-              <a:t>mn</a:t>
-            </a:r>
-            <a:r>
-              <a:rPr lang="en-US" altLang="ja-JP" sz="1000" dirty="0" smtClean="0">
-                <a:solidFill>
-                  <a:srgbClr val="0070C0"/>
-                </a:solidFill>
-                <a:latin typeface="Arial" panose="020B0604020202020204" pitchFamily="34" charset="0"/>
-                <a:cs typeface="Arial" panose="020B0604020202020204" pitchFamily="34" charset="0"/>
-              </a:rPr>
-              <a:t>: </a:t>
-            </a:r>
-            <a:r>
-              <a:rPr lang="en-US" altLang="ja-JP" sz="1000" dirty="0" err="1" smtClean="0">
-                <a:solidFill>
-                  <a:srgbClr val="0070C0"/>
-                </a:solidFill>
-                <a:latin typeface="Arial" panose="020B0604020202020204" pitchFamily="34" charset="0"/>
-                <a:cs typeface="Arial" panose="020B0604020202020204" pitchFamily="34" charset="0"/>
-              </a:rPr>
-              <a:t>murasaki_name</a:t>
-            </a:r>
-            <a:endParaRPr lang="en-US" altLang="ja-JP" sz="1000" dirty="0" smtClean="0">
-              <a:solidFill>
-                <a:srgbClr val="0070C0"/>
-              </a:solidFill>
-              <a:latin typeface="Arial" panose="020B0604020202020204" pitchFamily="34" charset="0"/>
-              <a:cs typeface="Arial" panose="020B0604020202020204" pitchFamily="34" charset="0"/>
-            </a:endParaRPr>
-          </a:p>
-          <a:p>
-            <a:r>
-              <a:rPr lang="en-US" altLang="ja-JP" sz="1000" dirty="0" smtClean="0">
-                <a:solidFill>
-                  <a:srgbClr val="0070C0"/>
-                </a:solidFill>
-                <a:latin typeface="Arial" panose="020B0604020202020204" pitchFamily="34" charset="0"/>
-                <a:cs typeface="Arial" panose="020B0604020202020204" pitchFamily="34" charset="0"/>
-              </a:rPr>
-              <a:t>mml: </a:t>
-            </a:r>
-            <a:r>
-              <a:rPr lang="en-US" altLang="ja-JP" sz="1000" dirty="0" err="1" smtClean="0">
-                <a:solidFill>
-                  <a:srgbClr val="0070C0"/>
-                </a:solidFill>
-                <a:latin typeface="Arial" panose="020B0604020202020204" pitchFamily="34" charset="0"/>
-                <a:cs typeface="Arial" panose="020B0604020202020204" pitchFamily="34" charset="0"/>
-              </a:rPr>
-              <a:t>murasaki_mail</a:t>
-            </a:r>
-            <a:endParaRPr lang="en-US" altLang="ja-JP" sz="1000" dirty="0" smtClean="0">
-              <a:solidFill>
-                <a:srgbClr val="0070C0"/>
-              </a:solidFill>
-              <a:latin typeface="Arial" panose="020B0604020202020204" pitchFamily="34" charset="0"/>
-              <a:cs typeface="Arial" panose="020B0604020202020204" pitchFamily="34" charset="0"/>
-            </a:endParaRPr>
-          </a:p>
-          <a:p>
-            <a:r>
-              <a:rPr lang="en-US" altLang="ja-JP" sz="1000" dirty="0" err="1" smtClean="0">
-                <a:solidFill>
-                  <a:srgbClr val="0070C0"/>
-                </a:solidFill>
-                <a:latin typeface="Arial" panose="020B0604020202020204" pitchFamily="34" charset="0"/>
-                <a:cs typeface="Arial" panose="020B0604020202020204" pitchFamily="34" charset="0"/>
-              </a:rPr>
-              <a:t>wd</a:t>
-            </a:r>
-            <a:r>
-              <a:rPr lang="en-US" altLang="ja-JP" sz="1000" dirty="0" smtClean="0">
-                <a:solidFill>
-                  <a:srgbClr val="0070C0"/>
-                </a:solidFill>
-                <a:latin typeface="Arial" panose="020B0604020202020204" pitchFamily="34" charset="0"/>
-                <a:cs typeface="Arial" panose="020B0604020202020204" pitchFamily="34" charset="0"/>
-              </a:rPr>
-              <a:t>: </a:t>
-            </a:r>
-            <a:r>
-              <a:rPr lang="en-US" altLang="ja-JP" sz="1000" dirty="0" err="1" smtClean="0">
-                <a:solidFill>
-                  <a:srgbClr val="0070C0"/>
-                </a:solidFill>
-                <a:latin typeface="Arial" panose="020B0604020202020204" pitchFamily="34" charset="0"/>
-                <a:cs typeface="Arial" panose="020B0604020202020204" pitchFamily="34" charset="0"/>
-              </a:rPr>
-              <a:t>world_dice</a:t>
-            </a:r>
-            <a:endParaRPr lang="en-US" altLang="ja-JP" sz="1000" dirty="0">
-              <a:solidFill>
-                <a:srgbClr val="0070C0"/>
-              </a:solidFill>
-              <a:latin typeface="Arial" panose="020B0604020202020204" pitchFamily="34" charset="0"/>
-              <a:cs typeface="Arial" panose="020B0604020202020204" pitchFamily="34" charset="0"/>
-            </a:endParaRPr>
-          </a:p>
         </p:txBody>
       </p:sp>
       <p:sp>
@@ -6244,7 +5819,7 @@
           <a:prstGeom prst="roundRect">
             <a:avLst/>
           </a:prstGeom>
-          <a:ln/>
+          <a:ln w="28575"/>
         </p:spPr>
         <p:style>
           <a:lnRef idx="2">
@@ -6295,7 +5870,7 @@
           <a:prstGeom prst="roundRect">
             <a:avLst/>
           </a:prstGeom>
-          <a:ln/>
+          <a:ln w="28575"/>
         </p:spPr>
         <p:style>
           <a:lnRef idx="2">
@@ -6373,6 +5948,687 @@
               <a:t>logical functions and own storage</a:t>
             </a:r>
             <a:endParaRPr kumimoji="1" lang="en-US" altLang="ja-JP" sz="1000" dirty="0" smtClean="0">
+              <a:latin typeface="Arial" panose="020B0604020202020204" pitchFamily="34" charset="0"/>
+              <a:cs typeface="Arial" panose="020B0604020202020204" pitchFamily="34" charset="0"/>
+            </a:endParaRPr>
+          </a:p>
+        </p:txBody>
+      </p:sp>
+      <p:sp>
+        <p:nvSpPr>
+          <p:cNvPr id="63" name="テキスト ボックス 62"/>
+          <p:cNvSpPr txBox="1"/>
+          <p:nvPr/>
+        </p:nvSpPr>
+        <p:spPr>
+          <a:xfrm>
+            <a:off x="5296760" y="4579181"/>
+            <a:ext cx="949205" cy="246221"/>
+          </a:xfrm>
+          <a:prstGeom prst="rect">
+            <a:avLst/>
+          </a:prstGeom>
+          <a:noFill/>
+        </p:spPr>
+        <p:txBody>
+          <a:bodyPr wrap="square" rtlCol="0">
+            <a:spAutoFit/>
+          </a:bodyPr>
+          <a:lstStyle/>
+          <a:p>
+            <a:pPr algn="ctr"/>
+            <a:r>
+              <a:rPr kumimoji="1" lang="en-US" altLang="ja-JP" sz="1000" dirty="0" smtClean="0">
+                <a:solidFill>
+                  <a:srgbClr val="FF0000"/>
+                </a:solidFill>
+                <a:latin typeface="Arial" panose="020B0604020202020204" pitchFamily="34" charset="0"/>
+                <a:cs typeface="Arial" panose="020B0604020202020204" pitchFamily="34" charset="0"/>
+              </a:rPr>
+              <a:t>possess</a:t>
+            </a:r>
+            <a:endParaRPr kumimoji="1" lang="ja-JP" altLang="en-US" sz="1000" dirty="0">
+              <a:solidFill>
+                <a:srgbClr val="FF0000"/>
+              </a:solidFill>
+              <a:latin typeface="Arial" panose="020B0604020202020204" pitchFamily="34" charset="0"/>
+              <a:cs typeface="Arial" panose="020B0604020202020204" pitchFamily="34" charset="0"/>
+            </a:endParaRPr>
+          </a:p>
+        </p:txBody>
+      </p:sp>
+      <p:sp>
+        <p:nvSpPr>
+          <p:cNvPr id="64" name="テキスト ボックス 63"/>
+          <p:cNvSpPr txBox="1"/>
+          <p:nvPr/>
+        </p:nvSpPr>
+        <p:spPr>
+          <a:xfrm>
+            <a:off x="158160" y="6247176"/>
+            <a:ext cx="2460930" cy="400110"/>
+          </a:xfrm>
+          <a:prstGeom prst="rect">
+            <a:avLst/>
+          </a:prstGeom>
+          <a:noFill/>
+        </p:spPr>
+        <p:txBody>
+          <a:bodyPr wrap="none" rtlCol="0">
+            <a:spAutoFit/>
+          </a:bodyPr>
+          <a:lstStyle/>
+          <a:p>
+            <a:r>
+              <a:rPr kumimoji="1" lang="en-US" altLang="ja-JP" sz="1000" dirty="0" err="1" smtClean="0">
+                <a:solidFill>
+                  <a:srgbClr val="FFC000"/>
+                </a:solidFill>
+                <a:latin typeface="Arial" panose="020B0604020202020204" pitchFamily="34" charset="0"/>
+                <a:cs typeface="Arial" panose="020B0604020202020204" pitchFamily="34" charset="0"/>
+              </a:rPr>
+              <a:t>mfs</a:t>
+            </a:r>
+            <a:r>
+              <a:rPr kumimoji="1" lang="en-US" altLang="ja-JP" sz="1000" dirty="0" smtClean="0">
+                <a:solidFill>
+                  <a:srgbClr val="FFC000"/>
+                </a:solidFill>
+                <a:latin typeface="Arial" panose="020B0604020202020204" pitchFamily="34" charset="0"/>
+                <a:cs typeface="Arial" panose="020B0604020202020204" pitchFamily="34" charset="0"/>
+              </a:rPr>
+              <a:t>: </a:t>
+            </a:r>
+            <a:r>
+              <a:rPr kumimoji="1" lang="en-US" altLang="ja-JP" sz="1000" dirty="0" err="1" smtClean="0">
+                <a:solidFill>
+                  <a:srgbClr val="FFC000"/>
+                </a:solidFill>
+                <a:latin typeface="Arial" panose="020B0604020202020204" pitchFamily="34" charset="0"/>
+                <a:cs typeface="Arial" panose="020B0604020202020204" pitchFamily="34" charset="0"/>
+              </a:rPr>
+              <a:t>murasaki_function_share</a:t>
+            </a:r>
+            <a:endParaRPr kumimoji="1" lang="en-US" altLang="ja-JP" sz="1000" dirty="0" smtClean="0">
+              <a:solidFill>
+                <a:srgbClr val="FFC000"/>
+              </a:solidFill>
+              <a:latin typeface="Arial" panose="020B0604020202020204" pitchFamily="34" charset="0"/>
+              <a:cs typeface="Arial" panose="020B0604020202020204" pitchFamily="34" charset="0"/>
+            </a:endParaRPr>
+          </a:p>
+          <a:p>
+            <a:r>
+              <a:rPr lang="en-US" altLang="ja-JP" sz="1000" dirty="0" err="1" smtClean="0">
+                <a:solidFill>
+                  <a:srgbClr val="FFC000"/>
+                </a:solidFill>
+                <a:latin typeface="Arial" panose="020B0604020202020204" pitchFamily="34" charset="0"/>
+                <a:cs typeface="Arial" panose="020B0604020202020204" pitchFamily="34" charset="0"/>
+              </a:rPr>
+              <a:t>mfcc</a:t>
+            </a:r>
+            <a:r>
+              <a:rPr lang="en-US" altLang="ja-JP" sz="1000" dirty="0" smtClean="0">
+                <a:solidFill>
+                  <a:srgbClr val="FFC000"/>
+                </a:solidFill>
+                <a:latin typeface="Arial" panose="020B0604020202020204" pitchFamily="34" charset="0"/>
+                <a:cs typeface="Arial" panose="020B0604020202020204" pitchFamily="34" charset="0"/>
+              </a:rPr>
+              <a:t>: </a:t>
+            </a:r>
+            <a:r>
+              <a:rPr lang="en-US" altLang="ja-JP" sz="1000" dirty="0" err="1" smtClean="0">
+                <a:solidFill>
+                  <a:srgbClr val="FFC000"/>
+                </a:solidFill>
+                <a:latin typeface="Arial" panose="020B0604020202020204" pitchFamily="34" charset="0"/>
+                <a:cs typeface="Arial" panose="020B0604020202020204" pitchFamily="34" charset="0"/>
+              </a:rPr>
+              <a:t>murasaki_function_crafting_codex</a:t>
+            </a:r>
+            <a:endParaRPr lang="en-US" altLang="ja-JP" sz="1000" dirty="0" smtClean="0">
+              <a:solidFill>
+                <a:srgbClr val="FFC000"/>
+              </a:solidFill>
+              <a:latin typeface="Arial" panose="020B0604020202020204" pitchFamily="34" charset="0"/>
+              <a:cs typeface="Arial" panose="020B0604020202020204" pitchFamily="34" charset="0"/>
+            </a:endParaRPr>
+          </a:p>
+        </p:txBody>
+      </p:sp>
+      <p:sp>
+        <p:nvSpPr>
+          <p:cNvPr id="66" name="テキスト ボックス 65"/>
+          <p:cNvSpPr txBox="1"/>
+          <p:nvPr/>
+        </p:nvSpPr>
+        <p:spPr>
+          <a:xfrm>
+            <a:off x="2772127" y="5721911"/>
+            <a:ext cx="2911374" cy="1015663"/>
+          </a:xfrm>
+          <a:prstGeom prst="rect">
+            <a:avLst/>
+          </a:prstGeom>
+          <a:noFill/>
+        </p:spPr>
+        <p:txBody>
+          <a:bodyPr wrap="none" rtlCol="0">
+            <a:spAutoFit/>
+          </a:bodyPr>
+          <a:lstStyle/>
+          <a:p>
+            <a:r>
+              <a:rPr lang="en-US" altLang="ja-JP" sz="1000" dirty="0" err="1" smtClean="0">
+                <a:solidFill>
+                  <a:srgbClr val="0070C0"/>
+                </a:solidFill>
+                <a:latin typeface="Arial" panose="020B0604020202020204" pitchFamily="34" charset="0"/>
+                <a:cs typeface="Arial" panose="020B0604020202020204" pitchFamily="34" charset="0"/>
+              </a:rPr>
+              <a:t>mfsl</a:t>
+            </a:r>
+            <a:r>
+              <a:rPr lang="en-US" altLang="ja-JP" sz="1000" dirty="0" smtClean="0">
+                <a:solidFill>
+                  <a:srgbClr val="0070C0"/>
+                </a:solidFill>
+                <a:latin typeface="Arial" panose="020B0604020202020204" pitchFamily="34" charset="0"/>
+                <a:cs typeface="Arial" panose="020B0604020202020204" pitchFamily="34" charset="0"/>
+              </a:rPr>
+              <a:t>: </a:t>
+            </a:r>
+            <a:r>
+              <a:rPr lang="en-US" altLang="ja-JP" sz="1000" dirty="0" err="1" smtClean="0">
+                <a:solidFill>
+                  <a:srgbClr val="0070C0"/>
+                </a:solidFill>
+                <a:latin typeface="Arial" panose="020B0604020202020204" pitchFamily="34" charset="0"/>
+                <a:cs typeface="Arial" panose="020B0604020202020204" pitchFamily="34" charset="0"/>
+              </a:rPr>
+              <a:t>murasaki_function_summon_and_levelup</a:t>
+            </a:r>
+            <a:endParaRPr lang="en-US" altLang="ja-JP" sz="1000" dirty="0" smtClean="0">
+              <a:solidFill>
+                <a:srgbClr val="0070C0"/>
+              </a:solidFill>
+              <a:latin typeface="Arial" panose="020B0604020202020204" pitchFamily="34" charset="0"/>
+              <a:cs typeface="Arial" panose="020B0604020202020204" pitchFamily="34" charset="0"/>
+            </a:endParaRPr>
+          </a:p>
+          <a:p>
+            <a:r>
+              <a:rPr kumimoji="1" lang="en-US" altLang="ja-JP" sz="1000" dirty="0" err="1" smtClean="0">
+                <a:solidFill>
+                  <a:srgbClr val="0070C0"/>
+                </a:solidFill>
+                <a:latin typeface="Arial" panose="020B0604020202020204" pitchFamily="34" charset="0"/>
+                <a:cs typeface="Arial" panose="020B0604020202020204" pitchFamily="34" charset="0"/>
+              </a:rPr>
+              <a:t>mffg</a:t>
+            </a:r>
+            <a:r>
+              <a:rPr kumimoji="1" lang="en-US" altLang="ja-JP" sz="1000" dirty="0" smtClean="0">
+                <a:solidFill>
+                  <a:srgbClr val="0070C0"/>
+                </a:solidFill>
+                <a:latin typeface="Arial" panose="020B0604020202020204" pitchFamily="34" charset="0"/>
+                <a:cs typeface="Arial" panose="020B0604020202020204" pitchFamily="34" charset="0"/>
+              </a:rPr>
+              <a:t>: </a:t>
+            </a:r>
+            <a:r>
+              <a:rPr kumimoji="1" lang="en-US" altLang="ja-JP" sz="1000" dirty="0" err="1" smtClean="0">
+                <a:solidFill>
+                  <a:srgbClr val="0070C0"/>
+                </a:solidFill>
+                <a:latin typeface="Arial" panose="020B0604020202020204" pitchFamily="34" charset="0"/>
+                <a:cs typeface="Arial" panose="020B0604020202020204" pitchFamily="34" charset="0"/>
+              </a:rPr>
+              <a:t>murasaki_function_feeding_and_grooming</a:t>
+            </a:r>
+            <a:endParaRPr kumimoji="1" lang="en-US" altLang="ja-JP" sz="1000" dirty="0" smtClean="0">
+              <a:solidFill>
+                <a:srgbClr val="0070C0"/>
+              </a:solidFill>
+              <a:latin typeface="Arial" panose="020B0604020202020204" pitchFamily="34" charset="0"/>
+              <a:cs typeface="Arial" panose="020B0604020202020204" pitchFamily="34" charset="0"/>
+            </a:endParaRPr>
+          </a:p>
+          <a:p>
+            <a:r>
+              <a:rPr lang="en-US" altLang="ja-JP" sz="1000" dirty="0" err="1" smtClean="0">
+                <a:solidFill>
+                  <a:srgbClr val="0070C0"/>
+                </a:solidFill>
+                <a:latin typeface="Arial" panose="020B0604020202020204" pitchFamily="34" charset="0"/>
+                <a:cs typeface="Arial" panose="020B0604020202020204" pitchFamily="34" charset="0"/>
+              </a:rPr>
+              <a:t>mfmf</a:t>
+            </a:r>
+            <a:r>
+              <a:rPr lang="en-US" altLang="ja-JP" sz="1000" dirty="0" smtClean="0">
+                <a:solidFill>
+                  <a:srgbClr val="0070C0"/>
+                </a:solidFill>
+                <a:latin typeface="Arial" panose="020B0604020202020204" pitchFamily="34" charset="0"/>
+                <a:cs typeface="Arial" panose="020B0604020202020204" pitchFamily="34" charset="0"/>
+              </a:rPr>
+              <a:t>: </a:t>
+            </a:r>
+            <a:r>
+              <a:rPr lang="en-US" altLang="ja-JP" sz="1000" dirty="0" err="1" smtClean="0">
+                <a:solidFill>
+                  <a:srgbClr val="0070C0"/>
+                </a:solidFill>
+                <a:latin typeface="Arial" panose="020B0604020202020204" pitchFamily="34" charset="0"/>
+                <a:cs typeface="Arial" panose="020B0604020202020204" pitchFamily="34" charset="0"/>
+              </a:rPr>
+              <a:t>murasaki_function_mining_and_farming</a:t>
+            </a:r>
+            <a:endParaRPr lang="en-US" altLang="ja-JP" sz="1000" dirty="0" smtClean="0">
+              <a:solidFill>
+                <a:srgbClr val="0070C0"/>
+              </a:solidFill>
+              <a:latin typeface="Arial" panose="020B0604020202020204" pitchFamily="34" charset="0"/>
+              <a:cs typeface="Arial" panose="020B0604020202020204" pitchFamily="34" charset="0"/>
+            </a:endParaRPr>
+          </a:p>
+          <a:p>
+            <a:r>
+              <a:rPr lang="en-US" altLang="ja-JP" sz="1000" dirty="0" smtClean="0">
+                <a:solidFill>
+                  <a:srgbClr val="0070C0"/>
+                </a:solidFill>
+                <a:latin typeface="Arial" panose="020B0604020202020204" pitchFamily="34" charset="0"/>
+                <a:cs typeface="Arial" panose="020B0604020202020204" pitchFamily="34" charset="0"/>
+              </a:rPr>
+              <a:t>mfc1</a:t>
+            </a:r>
+            <a:r>
+              <a:rPr lang="en-US" altLang="ja-JP" sz="1000" dirty="0">
+                <a:solidFill>
+                  <a:srgbClr val="0070C0"/>
+                </a:solidFill>
+                <a:latin typeface="Arial" panose="020B0604020202020204" pitchFamily="34" charset="0"/>
+                <a:cs typeface="Arial" panose="020B0604020202020204" pitchFamily="34" charset="0"/>
+              </a:rPr>
+              <a:t>: murasaki_function_crafting1</a:t>
+            </a:r>
+          </a:p>
+          <a:p>
+            <a:r>
+              <a:rPr lang="en-US" altLang="ja-JP" sz="1000" dirty="0" smtClean="0">
+                <a:solidFill>
+                  <a:srgbClr val="0070C0"/>
+                </a:solidFill>
+                <a:latin typeface="Arial" panose="020B0604020202020204" pitchFamily="34" charset="0"/>
+                <a:cs typeface="Arial" panose="020B0604020202020204" pitchFamily="34" charset="0"/>
+              </a:rPr>
+              <a:t>mfc1</a:t>
+            </a:r>
+            <a:r>
+              <a:rPr lang="en-US" altLang="ja-JP" sz="1000" dirty="0">
+                <a:solidFill>
+                  <a:srgbClr val="0070C0"/>
+                </a:solidFill>
+                <a:latin typeface="Arial" panose="020B0604020202020204" pitchFamily="34" charset="0"/>
+                <a:cs typeface="Arial" panose="020B0604020202020204" pitchFamily="34" charset="0"/>
+              </a:rPr>
+              <a:t>: </a:t>
+            </a:r>
+            <a:r>
+              <a:rPr lang="en-US" altLang="ja-JP" sz="1000" dirty="0" smtClean="0">
+                <a:solidFill>
+                  <a:srgbClr val="0070C0"/>
+                </a:solidFill>
+                <a:latin typeface="Arial" panose="020B0604020202020204" pitchFamily="34" charset="0"/>
+                <a:cs typeface="Arial" panose="020B0604020202020204" pitchFamily="34" charset="0"/>
+              </a:rPr>
+              <a:t>murasaki_function_crafting2</a:t>
+            </a:r>
+          </a:p>
+          <a:p>
+            <a:r>
+              <a:rPr lang="en-US" altLang="ja-JP" sz="1000" dirty="0" err="1" smtClean="0">
+                <a:solidFill>
+                  <a:srgbClr val="0070C0"/>
+                </a:solidFill>
+                <a:latin typeface="Arial" panose="020B0604020202020204" pitchFamily="34" charset="0"/>
+                <a:cs typeface="Arial" panose="020B0604020202020204" pitchFamily="34" charset="0"/>
+              </a:rPr>
+              <a:t>mfn</a:t>
+            </a:r>
+            <a:r>
+              <a:rPr lang="en-US" altLang="ja-JP" sz="1000" dirty="0" smtClean="0">
+                <a:solidFill>
+                  <a:srgbClr val="0070C0"/>
+                </a:solidFill>
+                <a:latin typeface="Arial" panose="020B0604020202020204" pitchFamily="34" charset="0"/>
+                <a:cs typeface="Arial" panose="020B0604020202020204" pitchFamily="34" charset="0"/>
+              </a:rPr>
+              <a:t>: </a:t>
+            </a:r>
+            <a:r>
+              <a:rPr lang="en-US" altLang="ja-JP" sz="1000" dirty="0" err="1" smtClean="0">
+                <a:solidFill>
+                  <a:srgbClr val="0070C0"/>
+                </a:solidFill>
+                <a:latin typeface="Arial" panose="020B0604020202020204" pitchFamily="34" charset="0"/>
+                <a:cs typeface="Arial" panose="020B0604020202020204" pitchFamily="34" charset="0"/>
+              </a:rPr>
+              <a:t>murasaki_function_name</a:t>
+            </a:r>
+            <a:endParaRPr lang="en-US" altLang="ja-JP" sz="1000" dirty="0" smtClean="0">
+              <a:solidFill>
+                <a:srgbClr val="0070C0"/>
+              </a:solidFill>
+              <a:latin typeface="Arial" panose="020B0604020202020204" pitchFamily="34" charset="0"/>
+              <a:cs typeface="Arial" panose="020B0604020202020204" pitchFamily="34" charset="0"/>
+            </a:endParaRPr>
+          </a:p>
+        </p:txBody>
+      </p:sp>
+      <p:sp>
+        <p:nvSpPr>
+          <p:cNvPr id="68" name="テキスト ボックス 67"/>
+          <p:cNvSpPr txBox="1"/>
+          <p:nvPr/>
+        </p:nvSpPr>
+        <p:spPr>
+          <a:xfrm>
+            <a:off x="5731829" y="6231557"/>
+            <a:ext cx="1888659" cy="553998"/>
+          </a:xfrm>
+          <a:prstGeom prst="rect">
+            <a:avLst/>
+          </a:prstGeom>
+          <a:noFill/>
+        </p:spPr>
+        <p:txBody>
+          <a:bodyPr wrap="none" rtlCol="0">
+            <a:spAutoFit/>
+          </a:bodyPr>
+          <a:lstStyle/>
+          <a:p>
+            <a:r>
+              <a:rPr lang="en-US" altLang="ja-JP" sz="1000" dirty="0" err="1" smtClean="0">
+                <a:solidFill>
+                  <a:schemeClr val="accent6">
+                    <a:lumMod val="75000"/>
+                  </a:schemeClr>
+                </a:solidFill>
+                <a:latin typeface="Arial" panose="020B0604020202020204" pitchFamily="34" charset="0"/>
+                <a:cs typeface="Arial" panose="020B0604020202020204" pitchFamily="34" charset="0"/>
+              </a:rPr>
+              <a:t>mss</a:t>
+            </a:r>
+            <a:r>
+              <a:rPr lang="en-US" altLang="ja-JP" sz="1000" dirty="0" smtClean="0">
+                <a:solidFill>
+                  <a:schemeClr val="accent6">
+                    <a:lumMod val="75000"/>
+                  </a:schemeClr>
+                </a:solidFill>
+                <a:latin typeface="Arial" panose="020B0604020202020204" pitchFamily="34" charset="0"/>
+                <a:cs typeface="Arial" panose="020B0604020202020204" pitchFamily="34" charset="0"/>
+              </a:rPr>
+              <a:t>: </a:t>
+            </a:r>
+            <a:r>
+              <a:rPr lang="en-US" altLang="ja-JP" sz="1000" dirty="0" err="1" smtClean="0">
+                <a:solidFill>
+                  <a:schemeClr val="accent6">
+                    <a:lumMod val="75000"/>
+                  </a:schemeClr>
+                </a:solidFill>
+                <a:latin typeface="Arial" panose="020B0604020202020204" pitchFamily="34" charset="0"/>
+                <a:cs typeface="Arial" panose="020B0604020202020204" pitchFamily="34" charset="0"/>
+              </a:rPr>
+              <a:t>murasaki_storage_score</a:t>
+            </a:r>
+            <a:endParaRPr lang="en-US" altLang="ja-JP" sz="1000" dirty="0" smtClean="0">
+              <a:solidFill>
+                <a:schemeClr val="accent6">
+                  <a:lumMod val="75000"/>
+                </a:schemeClr>
+              </a:solidFill>
+              <a:latin typeface="Arial" panose="020B0604020202020204" pitchFamily="34" charset="0"/>
+              <a:cs typeface="Arial" panose="020B0604020202020204" pitchFamily="34" charset="0"/>
+            </a:endParaRPr>
+          </a:p>
+          <a:p>
+            <a:r>
+              <a:rPr lang="en-US" altLang="ja-JP" sz="1000" dirty="0" err="1" smtClean="0">
+                <a:solidFill>
+                  <a:schemeClr val="accent6">
+                    <a:lumMod val="75000"/>
+                  </a:schemeClr>
+                </a:solidFill>
+                <a:latin typeface="Arial" panose="020B0604020202020204" pitchFamily="34" charset="0"/>
+                <a:cs typeface="Arial" panose="020B0604020202020204" pitchFamily="34" charset="0"/>
+              </a:rPr>
+              <a:t>ms</a:t>
+            </a:r>
+            <a:r>
+              <a:rPr lang="en-US" altLang="ja-JP" sz="1000" dirty="0" smtClean="0">
+                <a:solidFill>
+                  <a:schemeClr val="accent6">
+                    <a:lumMod val="75000"/>
+                  </a:schemeClr>
+                </a:solidFill>
+                <a:latin typeface="Arial" panose="020B0604020202020204" pitchFamily="34" charset="0"/>
+                <a:cs typeface="Arial" panose="020B0604020202020204" pitchFamily="34" charset="0"/>
+              </a:rPr>
+              <a:t>: </a:t>
+            </a:r>
+            <a:r>
+              <a:rPr lang="en-US" altLang="ja-JP" sz="1000" dirty="0" err="1" smtClean="0">
+                <a:solidFill>
+                  <a:schemeClr val="accent6">
+                    <a:lumMod val="75000"/>
+                  </a:schemeClr>
+                </a:solidFill>
+                <a:latin typeface="Arial" panose="020B0604020202020204" pitchFamily="34" charset="0"/>
+                <a:cs typeface="Arial" panose="020B0604020202020204" pitchFamily="34" charset="0"/>
+              </a:rPr>
+              <a:t>murasaki_storage</a:t>
+            </a:r>
+            <a:endParaRPr lang="en-US" altLang="ja-JP" sz="1000" dirty="0" smtClean="0">
+              <a:solidFill>
+                <a:schemeClr val="accent6">
+                  <a:lumMod val="75000"/>
+                </a:schemeClr>
+              </a:solidFill>
+              <a:latin typeface="Arial" panose="020B0604020202020204" pitchFamily="34" charset="0"/>
+              <a:cs typeface="Arial" panose="020B0604020202020204" pitchFamily="34" charset="0"/>
+            </a:endParaRPr>
+          </a:p>
+          <a:p>
+            <a:r>
+              <a:rPr lang="en-US" altLang="ja-JP" sz="1000" dirty="0" smtClean="0">
+                <a:solidFill>
+                  <a:schemeClr val="accent6">
+                    <a:lumMod val="75000"/>
+                  </a:schemeClr>
+                </a:solidFill>
+                <a:latin typeface="Arial" panose="020B0604020202020204" pitchFamily="34" charset="0"/>
+                <a:cs typeface="Arial" panose="020B0604020202020204" pitchFamily="34" charset="0"/>
+              </a:rPr>
+              <a:t>msn: </a:t>
+            </a:r>
+            <a:r>
+              <a:rPr lang="en-US" altLang="ja-JP" sz="1000" dirty="0" err="1" smtClean="0">
+                <a:solidFill>
+                  <a:schemeClr val="accent6">
+                    <a:lumMod val="75000"/>
+                  </a:schemeClr>
+                </a:solidFill>
+                <a:latin typeface="Arial" panose="020B0604020202020204" pitchFamily="34" charset="0"/>
+                <a:cs typeface="Arial" panose="020B0604020202020204" pitchFamily="34" charset="0"/>
+              </a:rPr>
+              <a:t>murasaki_storage_nui</a:t>
+            </a:r>
+            <a:endParaRPr lang="en-US" altLang="ja-JP" sz="1000" dirty="0" smtClean="0">
+              <a:solidFill>
+                <a:schemeClr val="accent6">
+                  <a:lumMod val="75000"/>
+                </a:schemeClr>
+              </a:solidFill>
+              <a:latin typeface="Arial" panose="020B0604020202020204" pitchFamily="34" charset="0"/>
+              <a:cs typeface="Arial" panose="020B0604020202020204" pitchFamily="34" charset="0"/>
+            </a:endParaRPr>
+          </a:p>
+        </p:txBody>
+      </p:sp>
+      <p:sp>
+        <p:nvSpPr>
+          <p:cNvPr id="69" name="テキスト ボックス 68"/>
+          <p:cNvSpPr txBox="1"/>
+          <p:nvPr/>
+        </p:nvSpPr>
+        <p:spPr>
+          <a:xfrm>
+            <a:off x="5731829" y="5740099"/>
+            <a:ext cx="1342034" cy="553998"/>
+          </a:xfrm>
+          <a:prstGeom prst="rect">
+            <a:avLst/>
+          </a:prstGeom>
+          <a:noFill/>
+        </p:spPr>
+        <p:txBody>
+          <a:bodyPr wrap="none" rtlCol="0">
+            <a:spAutoFit/>
+          </a:bodyPr>
+          <a:lstStyle/>
+          <a:p>
+            <a:r>
+              <a:rPr lang="en-US" altLang="ja-JP" sz="1000" dirty="0" smtClean="0">
+                <a:solidFill>
+                  <a:schemeClr val="accent4">
+                    <a:lumMod val="75000"/>
+                  </a:schemeClr>
+                </a:solidFill>
+                <a:latin typeface="Arial" panose="020B0604020202020204" pitchFamily="34" charset="0"/>
+                <a:cs typeface="Arial" panose="020B0604020202020204" pitchFamily="34" charset="0"/>
+              </a:rPr>
+              <a:t>mm</a:t>
+            </a:r>
+            <a:r>
+              <a:rPr lang="en-US" altLang="ja-JP" sz="1000" dirty="0" smtClean="0">
+                <a:solidFill>
+                  <a:schemeClr val="accent4">
+                    <a:lumMod val="75000"/>
+                  </a:schemeClr>
+                </a:solidFill>
+                <a:latin typeface="Arial" panose="020B0604020202020204" pitchFamily="34" charset="0"/>
+                <a:cs typeface="Arial" panose="020B0604020202020204" pitchFamily="34" charset="0"/>
+              </a:rPr>
+              <a:t>: </a:t>
+            </a:r>
+            <a:r>
+              <a:rPr lang="en-US" altLang="ja-JP" sz="1000" dirty="0" err="1" smtClean="0">
+                <a:solidFill>
+                  <a:schemeClr val="accent4">
+                    <a:lumMod val="75000"/>
+                  </a:schemeClr>
+                </a:solidFill>
+                <a:latin typeface="Arial" panose="020B0604020202020204" pitchFamily="34" charset="0"/>
+                <a:cs typeface="Arial" panose="020B0604020202020204" pitchFamily="34" charset="0"/>
+              </a:rPr>
+              <a:t>murasaki_main</a:t>
+            </a:r>
+            <a:endParaRPr lang="en-US" altLang="ja-JP" sz="1000" dirty="0" smtClean="0">
+              <a:solidFill>
+                <a:schemeClr val="accent4">
+                  <a:lumMod val="75000"/>
+                </a:schemeClr>
+              </a:solidFill>
+              <a:latin typeface="Arial" panose="020B0604020202020204" pitchFamily="34" charset="0"/>
+              <a:cs typeface="Arial" panose="020B0604020202020204" pitchFamily="34" charset="0"/>
+            </a:endParaRPr>
+          </a:p>
+          <a:p>
+            <a:r>
+              <a:rPr lang="en-US" altLang="ja-JP" sz="1000" dirty="0" smtClean="0">
+                <a:solidFill>
+                  <a:schemeClr val="accent4">
+                    <a:lumMod val="75000"/>
+                  </a:schemeClr>
+                </a:solidFill>
+                <a:latin typeface="Arial" panose="020B0604020202020204" pitchFamily="34" charset="0"/>
+                <a:cs typeface="Arial" panose="020B0604020202020204" pitchFamily="34" charset="0"/>
+              </a:rPr>
+              <a:t>mc: </a:t>
+            </a:r>
+            <a:r>
+              <a:rPr lang="en-US" altLang="ja-JP" sz="1000" dirty="0" err="1" smtClean="0">
+                <a:solidFill>
+                  <a:schemeClr val="accent4">
+                    <a:lumMod val="75000"/>
+                  </a:schemeClr>
+                </a:solidFill>
+                <a:latin typeface="Arial" panose="020B0604020202020204" pitchFamily="34" charset="0"/>
+                <a:cs typeface="Arial" panose="020B0604020202020204" pitchFamily="34" charset="0"/>
+              </a:rPr>
+              <a:t>murasaki_craft</a:t>
+            </a:r>
+            <a:endParaRPr lang="en-US" altLang="ja-JP" sz="1000" dirty="0" smtClean="0">
+              <a:solidFill>
+                <a:schemeClr val="accent4">
+                  <a:lumMod val="75000"/>
+                </a:schemeClr>
+              </a:solidFill>
+              <a:latin typeface="Arial" panose="020B0604020202020204" pitchFamily="34" charset="0"/>
+              <a:cs typeface="Arial" panose="020B0604020202020204" pitchFamily="34" charset="0"/>
+            </a:endParaRPr>
+          </a:p>
+          <a:p>
+            <a:r>
+              <a:rPr lang="en-US" altLang="ja-JP" sz="1000" dirty="0" err="1" smtClean="0">
+                <a:solidFill>
+                  <a:schemeClr val="accent4">
+                    <a:lumMod val="75000"/>
+                  </a:schemeClr>
+                </a:solidFill>
+                <a:latin typeface="Arial" panose="020B0604020202020204" pitchFamily="34" charset="0"/>
+                <a:cs typeface="Arial" panose="020B0604020202020204" pitchFamily="34" charset="0"/>
+              </a:rPr>
+              <a:t>mn</a:t>
+            </a:r>
+            <a:r>
+              <a:rPr lang="en-US" altLang="ja-JP" sz="1000" dirty="0" smtClean="0">
+                <a:solidFill>
+                  <a:schemeClr val="accent4">
+                    <a:lumMod val="75000"/>
+                  </a:schemeClr>
+                </a:solidFill>
+                <a:latin typeface="Arial" panose="020B0604020202020204" pitchFamily="34" charset="0"/>
+                <a:cs typeface="Arial" panose="020B0604020202020204" pitchFamily="34" charset="0"/>
+              </a:rPr>
+              <a:t>: </a:t>
+            </a:r>
+            <a:r>
+              <a:rPr lang="en-US" altLang="ja-JP" sz="1000" dirty="0" err="1" smtClean="0">
+                <a:solidFill>
+                  <a:schemeClr val="accent4">
+                    <a:lumMod val="75000"/>
+                  </a:schemeClr>
+                </a:solidFill>
+                <a:latin typeface="Arial" panose="020B0604020202020204" pitchFamily="34" charset="0"/>
+                <a:cs typeface="Arial" panose="020B0604020202020204" pitchFamily="34" charset="0"/>
+              </a:rPr>
+              <a:t>murasaki_name</a:t>
+            </a:r>
+            <a:endParaRPr lang="en-US" altLang="ja-JP" sz="1000" dirty="0" smtClean="0">
+              <a:solidFill>
+                <a:schemeClr val="accent4">
+                  <a:lumMod val="75000"/>
+                </a:schemeClr>
+              </a:solidFill>
               <a:latin typeface="Arial" panose="020B0604020202020204" pitchFamily="34" charset="0"/>
               <a:cs typeface="Arial" panose="020B0604020202020204" pitchFamily="34" charset="0"/>
             </a:endParaRPr>
@@ -6416,193 +6672,6 @@
           <a:chExt cx="0" cy="0"/>
         </a:xfrm>
       </p:grpSpPr>
-      <p:sp>
-        <p:nvSpPr>
-          <p:cNvPr id="347" name="テキスト ボックス 346"/>
-          <p:cNvSpPr txBox="1"/>
-          <p:nvPr/>
-        </p:nvSpPr>
-        <p:spPr>
-          <a:xfrm>
-            <a:off x="978838" y="3719657"/>
-            <a:ext cx="1397606" cy="400110"/>
-          </a:xfrm>
-          <a:prstGeom prst="rect">
-            <a:avLst/>
-          </a:prstGeom>
-          <a:noFill/>
-        </p:spPr>
-        <p:txBody>
-          <a:bodyPr wrap="square" rtlCol="0">
-            <a:spAutoFit/>
-          </a:bodyPr>
-          <a:lstStyle/>
-          <a:p>
-            <a:pPr algn="r"/>
-            <a:r>
-              <a:rPr kumimoji="1" lang="en-US" altLang="ja-JP" sz="1000" dirty="0" smtClean="0">
-                <a:latin typeface="Arial" panose="020B0604020202020204" pitchFamily="34" charset="0"/>
-                <a:cs typeface="Arial" panose="020B0604020202020204" pitchFamily="34" charset="0"/>
-              </a:rPr>
-              <a:t>Storage contracts</a:t>
-            </a:r>
-          </a:p>
-          <a:p>
-            <a:pPr algn="r"/>
-            <a:r>
-              <a:rPr lang="en-US" altLang="ja-JP" sz="1000" dirty="0" smtClean="0">
-                <a:latin typeface="Arial" panose="020B0604020202020204" pitchFamily="34" charset="0"/>
-                <a:cs typeface="Arial" panose="020B0604020202020204" pitchFamily="34" charset="0"/>
-              </a:rPr>
-              <a:t>Link to NTT or NFT</a:t>
-            </a:r>
-            <a:endParaRPr kumimoji="1" lang="ja-JP" altLang="en-US" sz="1000" dirty="0">
-              <a:latin typeface="Arial" panose="020B0604020202020204" pitchFamily="34" charset="0"/>
-              <a:cs typeface="Arial" panose="020B0604020202020204" pitchFamily="34" charset="0"/>
-            </a:endParaRPr>
-          </a:p>
-        </p:txBody>
-      </p:sp>
-      <p:sp>
-        <p:nvSpPr>
-          <p:cNvPr id="608" name="テキスト ボックス 607"/>
-          <p:cNvSpPr txBox="1"/>
-          <p:nvPr/>
-        </p:nvSpPr>
-        <p:spPr>
-          <a:xfrm>
-            <a:off x="571500" y="5715001"/>
-            <a:ext cx="2844048" cy="553998"/>
-          </a:xfrm>
-          <a:prstGeom prst="rect">
-            <a:avLst/>
-          </a:prstGeom>
-          <a:noFill/>
-        </p:spPr>
-        <p:txBody>
-          <a:bodyPr wrap="none" rtlCol="0">
-            <a:spAutoFit/>
-          </a:bodyPr>
-          <a:lstStyle/>
-          <a:p>
-            <a:r>
-              <a:rPr kumimoji="1" lang="en-US" altLang="ja-JP" sz="1000" dirty="0" err="1" smtClean="0">
-                <a:solidFill>
-                  <a:srgbClr val="FFC000"/>
-                </a:solidFill>
-                <a:latin typeface="Arial" panose="020B0604020202020204" pitchFamily="34" charset="0"/>
-                <a:cs typeface="Arial" panose="020B0604020202020204" pitchFamily="34" charset="0"/>
-              </a:rPr>
-              <a:t>mfs</a:t>
-            </a:r>
-            <a:r>
-              <a:rPr kumimoji="1" lang="en-US" altLang="ja-JP" sz="1000" dirty="0" smtClean="0">
-                <a:solidFill>
-                  <a:srgbClr val="FFC000"/>
-                </a:solidFill>
-                <a:latin typeface="Arial" panose="020B0604020202020204" pitchFamily="34" charset="0"/>
-                <a:cs typeface="Arial" panose="020B0604020202020204" pitchFamily="34" charset="0"/>
-              </a:rPr>
-              <a:t>: </a:t>
-            </a:r>
-            <a:r>
-              <a:rPr kumimoji="1" lang="en-US" altLang="ja-JP" sz="1000" dirty="0" err="1" smtClean="0">
-                <a:solidFill>
-                  <a:srgbClr val="FFC000"/>
-                </a:solidFill>
-                <a:latin typeface="Arial" panose="020B0604020202020204" pitchFamily="34" charset="0"/>
-                <a:cs typeface="Arial" panose="020B0604020202020204" pitchFamily="34" charset="0"/>
-              </a:rPr>
-              <a:t>murasaki_function_share</a:t>
-            </a:r>
-            <a:endParaRPr kumimoji="1" lang="en-US" altLang="ja-JP" sz="1000" dirty="0" smtClean="0">
-              <a:solidFill>
-                <a:srgbClr val="FFC000"/>
-              </a:solidFill>
-              <a:latin typeface="Arial" panose="020B0604020202020204" pitchFamily="34" charset="0"/>
-              <a:cs typeface="Arial" panose="020B0604020202020204" pitchFamily="34" charset="0"/>
-            </a:endParaRPr>
-          </a:p>
-          <a:p>
-            <a:r>
-              <a:rPr lang="en-US" altLang="ja-JP" sz="1000" dirty="0" err="1" smtClean="0">
-                <a:solidFill>
-                  <a:srgbClr val="FFC000"/>
-                </a:solidFill>
-                <a:latin typeface="Arial" panose="020B0604020202020204" pitchFamily="34" charset="0"/>
-                <a:cs typeface="Arial" panose="020B0604020202020204" pitchFamily="34" charset="0"/>
-              </a:rPr>
-              <a:t>mfcc</a:t>
-            </a:r>
-            <a:r>
-              <a:rPr lang="en-US" altLang="ja-JP" sz="1000" dirty="0" smtClean="0">
-                <a:solidFill>
-                  <a:srgbClr val="FFC000"/>
-                </a:solidFill>
-                <a:latin typeface="Arial" panose="020B0604020202020204" pitchFamily="34" charset="0"/>
-                <a:cs typeface="Arial" panose="020B0604020202020204" pitchFamily="34" charset="0"/>
-              </a:rPr>
-              <a:t>: </a:t>
-            </a:r>
-            <a:r>
-              <a:rPr lang="en-US" altLang="ja-JP" sz="1000" dirty="0" err="1" smtClean="0">
-                <a:solidFill>
-                  <a:srgbClr val="FFC000"/>
-                </a:solidFill>
-                <a:latin typeface="Arial" panose="020B0604020202020204" pitchFamily="34" charset="0"/>
-                <a:cs typeface="Arial" panose="020B0604020202020204" pitchFamily="34" charset="0"/>
-              </a:rPr>
-              <a:t>murasaki_function_crafting_codex</a:t>
-            </a:r>
-            <a:endParaRPr lang="en-US" altLang="ja-JP" sz="1000" dirty="0" smtClean="0">
-              <a:solidFill>
-                <a:srgbClr val="FFC000"/>
-              </a:solidFill>
-              <a:latin typeface="Arial" panose="020B0604020202020204" pitchFamily="34" charset="0"/>
-              <a:cs typeface="Arial" panose="020B0604020202020204" pitchFamily="34" charset="0"/>
-            </a:endParaRPr>
-          </a:p>
-          <a:p>
-            <a:r>
-              <a:rPr lang="en-US" altLang="ja-JP" sz="1000" dirty="0" err="1" smtClean="0">
-                <a:solidFill>
-                  <a:srgbClr val="0070C0"/>
-                </a:solidFill>
-                <a:latin typeface="Arial" panose="020B0604020202020204" pitchFamily="34" charset="0"/>
-                <a:cs typeface="Arial" panose="020B0604020202020204" pitchFamily="34" charset="0"/>
-              </a:rPr>
-              <a:t>mfsl</a:t>
-            </a:r>
-            <a:r>
-              <a:rPr lang="en-US" altLang="ja-JP" sz="1000" dirty="0" smtClean="0">
-                <a:solidFill>
-                  <a:srgbClr val="0070C0"/>
-                </a:solidFill>
-                <a:latin typeface="Arial" panose="020B0604020202020204" pitchFamily="34" charset="0"/>
-                <a:cs typeface="Arial" panose="020B0604020202020204" pitchFamily="34" charset="0"/>
-              </a:rPr>
-              <a:t>: </a:t>
-            </a:r>
-            <a:r>
-              <a:rPr lang="en-US" altLang="ja-JP" sz="1000" dirty="0" err="1" smtClean="0">
-                <a:solidFill>
-                  <a:srgbClr val="0070C0"/>
-                </a:solidFill>
-                <a:latin typeface="Arial" panose="020B0604020202020204" pitchFamily="34" charset="0"/>
-                <a:cs typeface="Arial" panose="020B0604020202020204" pitchFamily="34" charset="0"/>
-              </a:rPr>
-              <a:t>murasaki_function_summon_and_levelup</a:t>
-            </a:r>
-            <a:endParaRPr kumimoji="1" lang="ja-JP" altLang="en-US" sz="1000" dirty="0">
-              <a:solidFill>
-                <a:srgbClr val="0070C0"/>
-              </a:solidFill>
-              <a:latin typeface="Arial" panose="020B0604020202020204" pitchFamily="34" charset="0"/>
-              <a:cs typeface="Arial" panose="020B0604020202020204" pitchFamily="34" charset="0"/>
-            </a:endParaRPr>
-          </a:p>
-        </p:txBody>
-      </p:sp>
     </p:spTree>
     <p:extLst>
       <p:ext uri="{BB962C8B-B14F-4D97-AF65-F5344CB8AC3E}">
